--- a/Slides/Lesson 0.2 How to Learn in This Course.pptx
+++ b/Slides/Lesson 0.2 How to Learn in This Course.pptx
@@ -224,7 +224,7 @@
           <a:p>
             <a:fld id="{FF5194DA-5B46-4C21-B973-C13D42985E34}" type="datetimeFigureOut">
               <a:rPr lang="en-US" smtClean="0"/>
-              <a:t>8/1/2015</a:t>
+              <a:t>9/3/2015</a:t>
             </a:fld>
             <a:endParaRPr lang="en-US"/>
           </a:p>
@@ -801,7 +801,7 @@
                   </a:prstClr>
                 </a:solidFill>
               </a:rPr>
-              <a:t>8/1/2015</a:t>
+              <a:t>9/3/2015</a:t>
             </a:fld>
             <a:endParaRPr lang="en-US">
               <a:solidFill>
@@ -1092,7 +1092,7 @@
                   </a:prstClr>
                 </a:solidFill>
               </a:rPr>
-              <a:t>8/1/2015</a:t>
+              <a:t>9/3/2015</a:t>
             </a:fld>
             <a:endParaRPr lang="en-US">
               <a:solidFill>
@@ -1293,7 +1293,7 @@
                   </a:prstClr>
                 </a:solidFill>
               </a:rPr>
-              <a:t>8/1/2015</a:t>
+              <a:t>9/3/2015</a:t>
             </a:fld>
             <a:endParaRPr lang="en-US">
               <a:solidFill>
@@ -1504,7 +1504,7 @@
                   </a:prstClr>
                 </a:solidFill>
               </a:rPr>
-              <a:t>8/1/2015</a:t>
+              <a:t>9/3/2015</a:t>
             </a:fld>
             <a:endParaRPr lang="en-US">
               <a:solidFill>
@@ -1711,7 +1711,7 @@
                   </a:prstClr>
                 </a:solidFill>
               </a:rPr>
-              <a:t>8/1/2015</a:t>
+              <a:t>9/3/2015</a:t>
             </a:fld>
             <a:endParaRPr lang="en-US" dirty="0">
               <a:solidFill>
@@ -1867,7 +1867,7 @@
                   </a:prstClr>
                 </a:solidFill>
               </a:rPr>
-              <a:t>8/1/2015</a:t>
+              <a:t>9/3/2015</a:t>
             </a:fld>
             <a:endParaRPr lang="en-US">
               <a:solidFill>
@@ -2144,7 +2144,7 @@
                   </a:prstClr>
                 </a:solidFill>
               </a:rPr>
-              <a:t>8/1/2015</a:t>
+              <a:t>9/3/2015</a:t>
             </a:fld>
             <a:endParaRPr lang="en-US">
               <a:solidFill>
@@ -2463,7 +2463,7 @@
                   </a:prstClr>
                 </a:solidFill>
               </a:rPr>
-              <a:t>8/1/2015</a:t>
+              <a:t>9/3/2015</a:t>
             </a:fld>
             <a:endParaRPr lang="en-US">
               <a:solidFill>
@@ -2916,7 +2916,7 @@
                   </a:prstClr>
                 </a:solidFill>
               </a:rPr>
-              <a:t>8/1/2015</a:t>
+              <a:t>9/3/2015</a:t>
             </a:fld>
             <a:endParaRPr lang="en-US">
               <a:solidFill>
@@ -3065,7 +3065,7 @@
                   </a:prstClr>
                 </a:solidFill>
               </a:rPr>
-              <a:t>8/1/2015</a:t>
+              <a:t>9/3/2015</a:t>
             </a:fld>
             <a:endParaRPr lang="en-US">
               <a:solidFill>
@@ -3191,7 +3191,7 @@
                   </a:prstClr>
                 </a:solidFill>
               </a:rPr>
-              <a:t>8/1/2015</a:t>
+              <a:t>9/3/2015</a:t>
             </a:fld>
             <a:endParaRPr lang="en-US">
               <a:solidFill>
@@ -3499,7 +3499,7 @@
                   </a:prstClr>
                 </a:solidFill>
               </a:rPr>
-              <a:t>8/1/2015</a:t>
+              <a:t>9/3/2015</a:t>
             </a:fld>
             <a:endParaRPr lang="en-US">
               <a:solidFill>
@@ -3743,7 +3743,7 @@
                   </a:prstClr>
                 </a:solidFill>
               </a:rPr>
-              <a:t>8/1/2015</a:t>
+              <a:t>9/3/2015</a:t>
             </a:fld>
             <a:endParaRPr lang="en-US">
               <a:solidFill>
@@ -4738,15 +4738,23 @@
           <a:p>
             <a:r>
               <a:rPr lang="en-US" dirty="0" smtClean="0"/>
-              <a:t>The course web site contains detailed instructions on what you must turn in and how you must do it.  Go study it.</a:t>
-            </a:r>
-          </a:p>
-          <a:p>
-            <a:r>
-              <a:rPr lang="en-US" dirty="0" smtClean="0"/>
-              <a:t>Your submission package must include a lab notebook in which you record the time you spent on the problem.  See the website for details.</a:t>
-            </a:r>
-            <a:endParaRPr lang="en-US" dirty="0"/>
+              <a:t>The course web site contains detailed instructions on what you must turn in and how you must do it.  Go study it</a:t>
+            </a:r>
+            <a:r>
+              <a:rPr lang="en-US" dirty="0" smtClean="0"/>
+              <a:t>.</a:t>
+            </a:r>
+          </a:p>
+          <a:p>
+            <a:r>
+              <a:rPr lang="en-US" dirty="0" smtClean="0"/>
+              <a:t>The requirement for a lab notebook has been replaced by a Work Session Report, which is a simple Google form that you will complete at the end of each </a:t>
+            </a:r>
+            <a:r>
+              <a:rPr lang="en-US" smtClean="0"/>
+              <a:t>work session.</a:t>
+            </a:r>
+            <a:endParaRPr lang="en-US" dirty="0" smtClean="0"/>
           </a:p>
         </p:txBody>
       </p:sp>

--- a/Slides/Lesson 0.2 How to Learn in This Course.pptx
+++ b/Slides/Lesson 0.2 How to Learn in This Course.pptx
@@ -131,7 +131,7 @@
             <a:srgbClr val="A4A3A4"/>
           </p15:clr>
         </p15:guide>
-        <p15:guide id="2" pos="2880">
+        <p15:guide id="2" pos="3120" userDrawn="1">
           <p15:clr>
             <a:srgbClr val="A4A3A4"/>
           </p15:clr>
@@ -224,7 +224,7 @@
           <a:p>
             <a:fld id="{FF5194DA-5B46-4C21-B973-C13D42985E34}" type="datetimeFigureOut">
               <a:rPr lang="en-US" smtClean="0"/>
-              <a:t>9/3/2015</a:t>
+              <a:t>7/24/2016</a:t>
             </a:fld>
             <a:endParaRPr lang="en-US"/>
           </a:p>
@@ -288,38 +288,37 @@
           <a:p>
             <a:pPr lvl="0"/>
             <a:r>
-              <a:rPr lang="en-US" smtClean="0"/>
+              <a:rPr lang="en-US"/>
               <a:t>Click to edit Master text styles</a:t>
             </a:r>
           </a:p>
           <a:p>
             <a:pPr lvl="1"/>
             <a:r>
-              <a:rPr lang="en-US" smtClean="0"/>
+              <a:rPr lang="en-US"/>
               <a:t>Second level</a:t>
             </a:r>
           </a:p>
           <a:p>
             <a:pPr lvl="2"/>
             <a:r>
-              <a:rPr lang="en-US" smtClean="0"/>
+              <a:rPr lang="en-US"/>
               <a:t>Third level</a:t>
             </a:r>
           </a:p>
           <a:p>
             <a:pPr lvl="3"/>
             <a:r>
-              <a:rPr lang="en-US" smtClean="0"/>
+              <a:rPr lang="en-US"/>
               <a:t>Fourth level</a:t>
             </a:r>
           </a:p>
           <a:p>
             <a:pPr lvl="4"/>
             <a:r>
-              <a:rPr lang="en-US" smtClean="0"/>
+              <a:rPr lang="en-US"/>
               <a:t>Fifth level</a:t>
             </a:r>
-            <a:endParaRPr lang="en-US"/>
           </a:p>
         </p:txBody>
       </p:sp>
@@ -544,28 +543,27 @@
           <a:lstStyle/>
           <a:p>
             <a:r>
-              <a:rPr lang="en-US" dirty="0" smtClean="0"/>
+              <a:rPr lang="en-US" dirty="0"/>
               <a:t>Welcome to CS 50-10, Program Design Paradigms, also known as “Bootcamp”</a:t>
             </a:r>
           </a:p>
           <a:p>
-            <a:endParaRPr lang="en-US" dirty="0" smtClean="0"/>
-          </a:p>
-          <a:p>
-            <a:r>
-              <a:rPr lang="en-US" dirty="0" smtClean="0"/>
+            <a:endParaRPr lang="en-US" dirty="0"/>
+          </a:p>
+          <a:p>
+            <a:r>
+              <a:rPr lang="en-US" dirty="0"/>
               <a:t>I’m Professor Wand, and I will be your instructor in this online course.</a:t>
             </a:r>
           </a:p>
           <a:p>
-            <a:endParaRPr lang="en-US" dirty="0" smtClean="0"/>
-          </a:p>
-          <a:p>
-            <a:r>
-              <a:rPr lang="en-US" dirty="0" smtClean="0"/>
+            <a:endParaRPr lang="en-US" dirty="0"/>
+          </a:p>
+          <a:p>
+            <a:r>
+              <a:rPr lang="en-US" dirty="0"/>
               <a:t>In this lesson, we will learn about the goals of this course and about some of the educational philosophy behind it.</a:t>
             </a:r>
-            <a:endParaRPr lang="en-US" dirty="0"/>
           </a:p>
         </p:txBody>
       </p:sp>
@@ -652,10 +650,9 @@
           <a:lstStyle/>
           <a:p>
             <a:r>
-              <a:rPr lang="en-US" smtClean="0"/>
+              <a:rPr lang="en-US"/>
               <a:t>Click to edit Master title style</a:t>
             </a:r>
-            <a:endParaRPr lang="en-US"/>
           </a:p>
         </p:txBody>
       </p:sp>
@@ -771,10 +768,9 @@
           </a:lstStyle>
           <a:p>
             <a:r>
-              <a:rPr lang="en-US" smtClean="0"/>
+              <a:rPr lang="en-US"/>
               <a:t>Click to edit Master subtitle style</a:t>
             </a:r>
-            <a:endParaRPr lang="en-US"/>
           </a:p>
         </p:txBody>
       </p:sp>
@@ -801,7 +797,7 @@
                   </a:prstClr>
                 </a:solidFill>
               </a:rPr>
-              <a:t>9/3/2015</a:t>
+              <a:t>7/24/2016</a:t>
             </a:fld>
             <a:endParaRPr lang="en-US">
               <a:solidFill>
@@ -884,13 +880,6 @@
   <p:clrMapOvr>
     <a:masterClrMapping/>
   </p:clrMapOvr>
-  <p:timing>
-    <p:tnLst>
-      <p:par>
-        <p:cTn id="1" dur="indefinite" restart="never" nodeType="tmRoot"/>
-      </p:par>
-    </p:tnLst>
-  </p:timing>
 </p:sldLayout>
 </file>
 
@@ -936,10 +925,9 @@
           </a:lstStyle>
           <a:p>
             <a:r>
-              <a:rPr lang="en-US" smtClean="0"/>
+              <a:rPr lang="en-US"/>
               <a:t>Click to edit Master title style</a:t>
             </a:r>
-            <a:endParaRPr lang="en-US"/>
           </a:p>
         </p:txBody>
       </p:sp>
@@ -1063,7 +1051,7 @@
           <a:p>
             <a:pPr lvl="0"/>
             <a:r>
-              <a:rPr lang="en-US" smtClean="0"/>
+              <a:rPr lang="en-US"/>
               <a:t>Click to edit Master text styles</a:t>
             </a:r>
           </a:p>
@@ -1092,7 +1080,7 @@
                   </a:prstClr>
                 </a:solidFill>
               </a:rPr>
-              <a:t>9/3/2015</a:t>
+              <a:t>7/24/2016</a:t>
             </a:fld>
             <a:endParaRPr lang="en-US">
               <a:solidFill>
@@ -1211,10 +1199,9 @@
           <a:lstStyle/>
           <a:p>
             <a:r>
-              <a:rPr lang="en-US" smtClean="0"/>
+              <a:rPr lang="en-US"/>
               <a:t>Click to edit Master title style</a:t>
             </a:r>
-            <a:endParaRPr lang="en-US"/>
           </a:p>
         </p:txBody>
       </p:sp>
@@ -1235,38 +1222,37 @@
           <a:p>
             <a:pPr lvl="0"/>
             <a:r>
-              <a:rPr lang="en-US" smtClean="0"/>
+              <a:rPr lang="en-US"/>
               <a:t>Click to edit Master text styles</a:t>
             </a:r>
           </a:p>
           <a:p>
             <a:pPr lvl="1"/>
             <a:r>
-              <a:rPr lang="en-US" smtClean="0"/>
+              <a:rPr lang="en-US"/>
               <a:t>Second level</a:t>
             </a:r>
           </a:p>
           <a:p>
             <a:pPr lvl="2"/>
             <a:r>
-              <a:rPr lang="en-US" smtClean="0"/>
+              <a:rPr lang="en-US"/>
               <a:t>Third level</a:t>
             </a:r>
           </a:p>
           <a:p>
             <a:pPr lvl="3"/>
             <a:r>
-              <a:rPr lang="en-US" smtClean="0"/>
+              <a:rPr lang="en-US"/>
               <a:t>Fourth level</a:t>
             </a:r>
           </a:p>
           <a:p>
             <a:pPr lvl="4"/>
             <a:r>
-              <a:rPr lang="en-US" smtClean="0"/>
+              <a:rPr lang="en-US"/>
               <a:t>Fifth level</a:t>
             </a:r>
-            <a:endParaRPr lang="en-US"/>
           </a:p>
         </p:txBody>
       </p:sp>
@@ -1293,7 +1279,7 @@
                   </a:prstClr>
                 </a:solidFill>
               </a:rPr>
-              <a:t>9/3/2015</a:t>
+              <a:t>7/24/2016</a:t>
             </a:fld>
             <a:endParaRPr lang="en-US">
               <a:solidFill>
@@ -1417,10 +1403,9 @@
           <a:lstStyle/>
           <a:p>
             <a:r>
-              <a:rPr lang="en-US" smtClean="0"/>
+              <a:rPr lang="en-US"/>
               <a:t>Click to edit Master title style</a:t>
             </a:r>
-            <a:endParaRPr lang="en-US"/>
           </a:p>
         </p:txBody>
       </p:sp>
@@ -1446,38 +1431,37 @@
           <a:p>
             <a:pPr lvl="0"/>
             <a:r>
-              <a:rPr lang="en-US" smtClean="0"/>
+              <a:rPr lang="en-US"/>
               <a:t>Click to edit Master text styles</a:t>
             </a:r>
           </a:p>
           <a:p>
             <a:pPr lvl="1"/>
             <a:r>
-              <a:rPr lang="en-US" smtClean="0"/>
+              <a:rPr lang="en-US"/>
               <a:t>Second level</a:t>
             </a:r>
           </a:p>
           <a:p>
             <a:pPr lvl="2"/>
             <a:r>
-              <a:rPr lang="en-US" smtClean="0"/>
+              <a:rPr lang="en-US"/>
               <a:t>Third level</a:t>
             </a:r>
           </a:p>
           <a:p>
             <a:pPr lvl="3"/>
             <a:r>
-              <a:rPr lang="en-US" smtClean="0"/>
+              <a:rPr lang="en-US"/>
               <a:t>Fourth level</a:t>
             </a:r>
           </a:p>
           <a:p>
             <a:pPr lvl="4"/>
             <a:r>
-              <a:rPr lang="en-US" smtClean="0"/>
+              <a:rPr lang="en-US"/>
               <a:t>Fifth level</a:t>
             </a:r>
-            <a:endParaRPr lang="en-US"/>
           </a:p>
         </p:txBody>
       </p:sp>
@@ -1504,7 +1488,7 @@
                   </a:prstClr>
                 </a:solidFill>
               </a:rPr>
-              <a:t>9/3/2015</a:t>
+              <a:t>7/24/2016</a:t>
             </a:fld>
             <a:endParaRPr lang="en-US">
               <a:solidFill>
@@ -1629,10 +1613,9 @@
           <a:lstStyle/>
           <a:p>
             <a:r>
-              <a:rPr lang="en-US" smtClean="0"/>
+              <a:rPr lang="en-US"/>
               <a:t>Click to edit Master title style</a:t>
             </a:r>
-            <a:endParaRPr lang="en-US"/>
           </a:p>
         </p:txBody>
       </p:sp>
@@ -1653,38 +1636,37 @@
           <a:p>
             <a:pPr lvl="0"/>
             <a:r>
-              <a:rPr lang="en-US" smtClean="0"/>
+              <a:rPr lang="en-US"/>
               <a:t>Click to edit Master text styles</a:t>
             </a:r>
           </a:p>
           <a:p>
             <a:pPr lvl="1"/>
             <a:r>
-              <a:rPr lang="en-US" smtClean="0"/>
+              <a:rPr lang="en-US"/>
               <a:t>Second level</a:t>
             </a:r>
           </a:p>
           <a:p>
             <a:pPr lvl="2"/>
             <a:r>
-              <a:rPr lang="en-US" smtClean="0"/>
+              <a:rPr lang="en-US"/>
               <a:t>Third level</a:t>
             </a:r>
           </a:p>
           <a:p>
             <a:pPr lvl="3"/>
             <a:r>
-              <a:rPr lang="en-US" smtClean="0"/>
+              <a:rPr lang="en-US"/>
               <a:t>Fourth level</a:t>
             </a:r>
           </a:p>
           <a:p>
             <a:pPr lvl="4"/>
             <a:r>
-              <a:rPr lang="en-US" smtClean="0"/>
+              <a:rPr lang="en-US"/>
               <a:t>Fifth level</a:t>
             </a:r>
-            <a:endParaRPr lang="en-US"/>
           </a:p>
         </p:txBody>
       </p:sp>
@@ -1711,7 +1693,7 @@
                   </a:prstClr>
                 </a:solidFill>
               </a:rPr>
-              <a:t>9/3/2015</a:t>
+              <a:t>7/24/2016</a:t>
             </a:fld>
             <a:endParaRPr lang="en-US" dirty="0">
               <a:solidFill>
@@ -1794,13 +1776,6 @@
   <p:clrMapOvr>
     <a:masterClrMapping/>
   </p:clrMapOvr>
-  <p:timing>
-    <p:tnLst>
-      <p:par>
-        <p:cTn id="1" dur="indefinite" restart="never" nodeType="tmRoot"/>
-      </p:par>
-    </p:tnLst>
-  </p:timing>
 </p:sldLayout>
 </file>
 
@@ -1837,10 +1812,9 @@
           <a:lstStyle/>
           <a:p>
             <a:r>
-              <a:rPr lang="en-US" smtClean="0"/>
+              <a:rPr lang="en-US"/>
               <a:t>Click to edit Master title style</a:t>
             </a:r>
-            <a:endParaRPr lang="en-US"/>
           </a:p>
         </p:txBody>
       </p:sp>
@@ -1867,7 +1841,7 @@
                   </a:prstClr>
                 </a:solidFill>
               </a:rPr>
-              <a:t>9/3/2015</a:t>
+              <a:t>7/24/2016</a:t>
             </a:fld>
             <a:endParaRPr lang="en-US">
               <a:solidFill>
@@ -1995,10 +1969,9 @@
           </a:lstStyle>
           <a:p>
             <a:r>
-              <a:rPr lang="en-US" smtClean="0"/>
+              <a:rPr lang="en-US"/>
               <a:t>Click to edit Master title style</a:t>
             </a:r>
-            <a:endParaRPr lang="en-US"/>
           </a:p>
         </p:txBody>
       </p:sp>
@@ -2115,7 +2088,7 @@
           <a:p>
             <a:pPr lvl="0"/>
             <a:r>
-              <a:rPr lang="en-US" smtClean="0"/>
+              <a:rPr lang="en-US"/>
               <a:t>Click to edit Master text styles</a:t>
             </a:r>
           </a:p>
@@ -2144,7 +2117,7 @@
                   </a:prstClr>
                 </a:solidFill>
               </a:rPr>
-              <a:t>9/3/2015</a:t>
+              <a:t>7/24/2016</a:t>
             </a:fld>
             <a:endParaRPr lang="en-US">
               <a:solidFill>
@@ -2263,10 +2236,9 @@
           <a:lstStyle/>
           <a:p>
             <a:r>
-              <a:rPr lang="en-US" smtClean="0"/>
+              <a:rPr lang="en-US"/>
               <a:t>Click to edit Master title style</a:t>
             </a:r>
-            <a:endParaRPr lang="en-US"/>
           </a:p>
         </p:txBody>
       </p:sp>
@@ -2320,38 +2292,37 @@
           <a:p>
             <a:pPr lvl="0"/>
             <a:r>
-              <a:rPr lang="en-US" smtClean="0"/>
+              <a:rPr lang="en-US"/>
               <a:t>Click to edit Master text styles</a:t>
             </a:r>
           </a:p>
           <a:p>
             <a:pPr lvl="1"/>
             <a:r>
-              <a:rPr lang="en-US" smtClean="0"/>
+              <a:rPr lang="en-US"/>
               <a:t>Second level</a:t>
             </a:r>
           </a:p>
           <a:p>
             <a:pPr lvl="2"/>
             <a:r>
-              <a:rPr lang="en-US" smtClean="0"/>
+              <a:rPr lang="en-US"/>
               <a:t>Third level</a:t>
             </a:r>
           </a:p>
           <a:p>
             <a:pPr lvl="3"/>
             <a:r>
-              <a:rPr lang="en-US" smtClean="0"/>
+              <a:rPr lang="en-US"/>
               <a:t>Fourth level</a:t>
             </a:r>
           </a:p>
           <a:p>
             <a:pPr lvl="4"/>
             <a:r>
-              <a:rPr lang="en-US" smtClean="0"/>
+              <a:rPr lang="en-US"/>
               <a:t>Fifth level</a:t>
             </a:r>
-            <a:endParaRPr lang="en-US"/>
           </a:p>
         </p:txBody>
       </p:sp>
@@ -2405,38 +2376,37 @@
           <a:p>
             <a:pPr lvl="0"/>
             <a:r>
-              <a:rPr lang="en-US" smtClean="0"/>
+              <a:rPr lang="en-US"/>
               <a:t>Click to edit Master text styles</a:t>
             </a:r>
           </a:p>
           <a:p>
             <a:pPr lvl="1"/>
             <a:r>
-              <a:rPr lang="en-US" smtClean="0"/>
+              <a:rPr lang="en-US"/>
               <a:t>Second level</a:t>
             </a:r>
           </a:p>
           <a:p>
             <a:pPr lvl="2"/>
             <a:r>
-              <a:rPr lang="en-US" smtClean="0"/>
+              <a:rPr lang="en-US"/>
               <a:t>Third level</a:t>
             </a:r>
           </a:p>
           <a:p>
             <a:pPr lvl="3"/>
             <a:r>
-              <a:rPr lang="en-US" smtClean="0"/>
+              <a:rPr lang="en-US"/>
               <a:t>Fourth level</a:t>
             </a:r>
           </a:p>
           <a:p>
             <a:pPr lvl="4"/>
             <a:r>
-              <a:rPr lang="en-US" smtClean="0"/>
+              <a:rPr lang="en-US"/>
               <a:t>Fifth level</a:t>
             </a:r>
-            <a:endParaRPr lang="en-US"/>
           </a:p>
         </p:txBody>
       </p:sp>
@@ -2463,7 +2433,7 @@
                   </a:prstClr>
                 </a:solidFill>
               </a:rPr>
-              <a:t>9/3/2015</a:t>
+              <a:t>7/24/2016</a:t>
             </a:fld>
             <a:endParaRPr lang="en-US">
               <a:solidFill>
@@ -2586,10 +2556,9 @@
           </a:lstStyle>
           <a:p>
             <a:r>
-              <a:rPr lang="en-US" smtClean="0"/>
+              <a:rPr lang="en-US"/>
               <a:t>Click to edit Master title style</a:t>
             </a:r>
-            <a:endParaRPr lang="en-US"/>
           </a:p>
         </p:txBody>
       </p:sp>
@@ -2652,7 +2621,7 @@
           <a:p>
             <a:pPr lvl="0"/>
             <a:r>
-              <a:rPr lang="en-US" smtClean="0"/>
+              <a:rPr lang="en-US"/>
               <a:t>Click to edit Master text styles</a:t>
             </a:r>
           </a:p>
@@ -2708,38 +2677,37 @@
           <a:p>
             <a:pPr lvl="0"/>
             <a:r>
-              <a:rPr lang="en-US" smtClean="0"/>
+              <a:rPr lang="en-US"/>
               <a:t>Click to edit Master text styles</a:t>
             </a:r>
           </a:p>
           <a:p>
             <a:pPr lvl="1"/>
             <a:r>
-              <a:rPr lang="en-US" smtClean="0"/>
+              <a:rPr lang="en-US"/>
               <a:t>Second level</a:t>
             </a:r>
           </a:p>
           <a:p>
             <a:pPr lvl="2"/>
             <a:r>
-              <a:rPr lang="en-US" smtClean="0"/>
+              <a:rPr lang="en-US"/>
               <a:t>Third level</a:t>
             </a:r>
           </a:p>
           <a:p>
             <a:pPr lvl="3"/>
             <a:r>
-              <a:rPr lang="en-US" smtClean="0"/>
+              <a:rPr lang="en-US"/>
               <a:t>Fourth level</a:t>
             </a:r>
           </a:p>
           <a:p>
             <a:pPr lvl="4"/>
             <a:r>
-              <a:rPr lang="en-US" smtClean="0"/>
+              <a:rPr lang="en-US"/>
               <a:t>Fifth level</a:t>
             </a:r>
-            <a:endParaRPr lang="en-US"/>
           </a:p>
         </p:txBody>
       </p:sp>
@@ -2802,7 +2770,7 @@
           <a:p>
             <a:pPr lvl="0"/>
             <a:r>
-              <a:rPr lang="en-US" smtClean="0"/>
+              <a:rPr lang="en-US"/>
               <a:t>Click to edit Master text styles</a:t>
             </a:r>
           </a:p>
@@ -2858,38 +2826,37 @@
           <a:p>
             <a:pPr lvl="0"/>
             <a:r>
-              <a:rPr lang="en-US" smtClean="0"/>
+              <a:rPr lang="en-US"/>
               <a:t>Click to edit Master text styles</a:t>
             </a:r>
           </a:p>
           <a:p>
             <a:pPr lvl="1"/>
             <a:r>
-              <a:rPr lang="en-US" smtClean="0"/>
+              <a:rPr lang="en-US"/>
               <a:t>Second level</a:t>
             </a:r>
           </a:p>
           <a:p>
             <a:pPr lvl="2"/>
             <a:r>
-              <a:rPr lang="en-US" smtClean="0"/>
+              <a:rPr lang="en-US"/>
               <a:t>Third level</a:t>
             </a:r>
           </a:p>
           <a:p>
             <a:pPr lvl="3"/>
             <a:r>
-              <a:rPr lang="en-US" smtClean="0"/>
+              <a:rPr lang="en-US"/>
               <a:t>Fourth level</a:t>
             </a:r>
           </a:p>
           <a:p>
             <a:pPr lvl="4"/>
             <a:r>
-              <a:rPr lang="en-US" smtClean="0"/>
+              <a:rPr lang="en-US"/>
               <a:t>Fifth level</a:t>
             </a:r>
-            <a:endParaRPr lang="en-US"/>
           </a:p>
         </p:txBody>
       </p:sp>
@@ -2916,7 +2883,7 @@
                   </a:prstClr>
                 </a:solidFill>
               </a:rPr>
-              <a:t>9/3/2015</a:t>
+              <a:t>7/24/2016</a:t>
             </a:fld>
             <a:endParaRPr lang="en-US">
               <a:solidFill>
@@ -3035,10 +3002,9 @@
           <a:lstStyle/>
           <a:p>
             <a:r>
-              <a:rPr lang="en-US" smtClean="0"/>
+              <a:rPr lang="en-US"/>
               <a:t>Click to edit Master title style</a:t>
             </a:r>
-            <a:endParaRPr lang="en-US"/>
           </a:p>
         </p:txBody>
       </p:sp>
@@ -3065,7 +3031,7 @@
                   </a:prstClr>
                 </a:solidFill>
               </a:rPr>
-              <a:t>9/3/2015</a:t>
+              <a:t>7/24/2016</a:t>
             </a:fld>
             <a:endParaRPr lang="en-US">
               <a:solidFill>
@@ -3191,7 +3157,7 @@
                   </a:prstClr>
                 </a:solidFill>
               </a:rPr>
-              <a:t>9/3/2015</a:t>
+              <a:t>7/24/2016</a:t>
             </a:fld>
             <a:endParaRPr lang="en-US">
               <a:solidFill>
@@ -3319,10 +3285,9 @@
           </a:lstStyle>
           <a:p>
             <a:r>
-              <a:rPr lang="en-US" smtClean="0"/>
+              <a:rPr lang="en-US"/>
               <a:t>Click to edit Master title style</a:t>
             </a:r>
-            <a:endParaRPr lang="en-US"/>
           </a:p>
         </p:txBody>
       </p:sp>
@@ -3376,38 +3341,37 @@
           <a:p>
             <a:pPr lvl="0"/>
             <a:r>
-              <a:rPr lang="en-US" smtClean="0"/>
+              <a:rPr lang="en-US"/>
               <a:t>Click to edit Master text styles</a:t>
             </a:r>
           </a:p>
           <a:p>
             <a:pPr lvl="1"/>
             <a:r>
-              <a:rPr lang="en-US" smtClean="0"/>
+              <a:rPr lang="en-US"/>
               <a:t>Second level</a:t>
             </a:r>
           </a:p>
           <a:p>
             <a:pPr lvl="2"/>
             <a:r>
-              <a:rPr lang="en-US" smtClean="0"/>
+              <a:rPr lang="en-US"/>
               <a:t>Third level</a:t>
             </a:r>
           </a:p>
           <a:p>
             <a:pPr lvl="3"/>
             <a:r>
-              <a:rPr lang="en-US" smtClean="0"/>
+              <a:rPr lang="en-US"/>
               <a:t>Fourth level</a:t>
             </a:r>
           </a:p>
           <a:p>
             <a:pPr lvl="4"/>
             <a:r>
-              <a:rPr lang="en-US" smtClean="0"/>
+              <a:rPr lang="en-US"/>
               <a:t>Fifth level</a:t>
             </a:r>
-            <a:endParaRPr lang="en-US"/>
           </a:p>
         </p:txBody>
       </p:sp>
@@ -3470,7 +3434,7 @@
           <a:p>
             <a:pPr lvl="0"/>
             <a:r>
-              <a:rPr lang="en-US" smtClean="0"/>
+              <a:rPr lang="en-US"/>
               <a:t>Click to edit Master text styles</a:t>
             </a:r>
           </a:p>
@@ -3499,7 +3463,7 @@
                   </a:prstClr>
                 </a:solidFill>
               </a:rPr>
-              <a:t>9/3/2015</a:t>
+              <a:t>7/24/2016</a:t>
             </a:fld>
             <a:endParaRPr lang="en-US">
               <a:solidFill>
@@ -3633,10 +3597,9 @@
           <a:lstStyle/>
           <a:p>
             <a:r>
-              <a:rPr lang="en-US" smtClean="0"/>
+              <a:rPr lang="en-US"/>
               <a:t>Click to edit Master title style</a:t>
             </a:r>
-            <a:endParaRPr lang="en-US"/>
           </a:p>
         </p:txBody>
       </p:sp>
@@ -3667,38 +3630,37 @@
           <a:p>
             <a:pPr lvl="0"/>
             <a:r>
-              <a:rPr lang="en-US" smtClean="0"/>
+              <a:rPr lang="en-US"/>
               <a:t>Click to edit Master text styles</a:t>
             </a:r>
           </a:p>
           <a:p>
             <a:pPr lvl="1"/>
             <a:r>
-              <a:rPr lang="en-US" smtClean="0"/>
+              <a:rPr lang="en-US"/>
               <a:t>Second level</a:t>
             </a:r>
           </a:p>
           <a:p>
             <a:pPr lvl="2"/>
             <a:r>
-              <a:rPr lang="en-US" smtClean="0"/>
+              <a:rPr lang="en-US"/>
               <a:t>Third level</a:t>
             </a:r>
           </a:p>
           <a:p>
             <a:pPr lvl="3"/>
             <a:r>
-              <a:rPr lang="en-US" smtClean="0"/>
+              <a:rPr lang="en-US"/>
               <a:t>Fourth level</a:t>
             </a:r>
           </a:p>
           <a:p>
             <a:pPr lvl="4"/>
             <a:r>
-              <a:rPr lang="en-US" smtClean="0"/>
+              <a:rPr lang="en-US"/>
               <a:t>Fifth level</a:t>
             </a:r>
-            <a:endParaRPr lang="en-US"/>
           </a:p>
         </p:txBody>
       </p:sp>
@@ -3743,7 +3705,7 @@
                   </a:prstClr>
                 </a:solidFill>
               </a:rPr>
-              <a:t>9/3/2015</a:t>
+              <a:t>7/24/2016</a:t>
             </a:fld>
             <a:endParaRPr lang="en-US">
               <a:solidFill>
@@ -3874,13 +3836,6 @@
     <p:sldLayoutId id="2147483671" r:id="rId11"/>
     <p:sldLayoutId id="2147483672" r:id="rId12"/>
   </p:sldLayoutIdLst>
-  <p:timing>
-    <p:tnLst>
-      <p:par>
-        <p:cTn id="1" dur="indefinite" restart="never" nodeType="tmRoot"/>
-      </p:par>
-    </p:tnLst>
-  </p:timing>
   <p:hf hdr="0" ftr="0" dt="0"/>
   <p:txStyles>
     <p:titleStyle>
@@ -4162,16 +4117,23 @@
             <p:ph type="ctrTitle"/>
           </p:nvPr>
         </p:nvSpPr>
-        <p:spPr/>
-        <p:txBody>
-          <a:bodyPr/>
-          <a:lstStyle/>
-          <a:p>
-            <a:r>
-              <a:rPr lang="en-US" dirty="0" smtClean="0"/>
+        <p:spPr>
+          <a:ln w="28575">
+            <a:solidFill>
+              <a:schemeClr val="accent1"/>
+            </a:solidFill>
+          </a:ln>
+        </p:spPr>
+        <p:txBody>
+          <a:bodyPr vert="horz" lIns="91440" tIns="45720" rIns="91440" bIns="45720" rtlCol="0" anchor="ctr">
+            <a:normAutofit/>
+          </a:bodyPr>
+          <a:lstStyle/>
+          <a:p>
+            <a:r>
+              <a:rPr lang="en-US" dirty="0"/>
               <a:t>How to Learn in This Course</a:t>
             </a:r>
-            <a:endParaRPr lang="en-US" dirty="0"/>
           </a:p>
         </p:txBody>
       </p:sp>
@@ -4191,16 +4153,15 @@
           <a:lstStyle/>
           <a:p>
             <a:r>
-              <a:rPr lang="en-US" dirty="0" smtClean="0"/>
+              <a:rPr lang="en-US" dirty="0"/>
               <a:t>CS 5010 Program Design Paradigms “Bootcamp”</a:t>
             </a:r>
           </a:p>
           <a:p>
             <a:r>
-              <a:rPr lang="en-US" dirty="0" smtClean="0"/>
-              <a:t>Lesson 0.1</a:t>
-            </a:r>
-            <a:endParaRPr lang="en-US" dirty="0"/>
+              <a:rPr lang="en-US" dirty="0"/>
+              <a:t>Lesson 0.2</a:t>
+            </a:r>
           </a:p>
         </p:txBody>
       </p:sp>
@@ -4272,27 +4233,13 @@
             <a:p>
               <a:r>
                 <a:rPr lang="en-US" sz="1000" dirty="0"/>
-                <a:t>© Mitchell Wand, </a:t>
-              </a:r>
-              <a:r>
-                <a:rPr lang="en-US" sz="1000" dirty="0" smtClean="0"/>
-                <a:t>2012-2014</a:t>
+                <a:t>© Mitchell Wand, 2012-2015</a:t>
               </a:r>
             </a:p>
             <a:p>
               <a:r>
-                <a:rPr lang="en-US" sz="1000" dirty="0" smtClean="0"/>
+                <a:rPr lang="en-US" sz="1000" dirty="0"/>
                 <a:t>This work is licensed under a </a:t>
-              </a:r>
-              <a:r>
-                <a:rPr lang="en-US" altLang="en-US" sz="1000" dirty="0" smtClean="0">
-                  <a:solidFill>
-                    <a:srgbClr val="4374B7"/>
-                  </a:solidFill>
-                  <a:latin typeface="Helvetica Neue"/>
-                  <a:hlinkClick r:id="rId4"/>
-                </a:rPr>
-                <a:t>Creative </a:t>
               </a:r>
               <a:r>
                 <a:rPr lang="en-US" altLang="en-US" sz="1000" dirty="0">
@@ -4302,7 +4249,7 @@
                   <a:latin typeface="Helvetica Neue"/>
                   <a:hlinkClick r:id="rId4"/>
                 </a:rPr>
-                <a:t>Commons Attribution-</a:t>
+                <a:t>Creative Commons Attribution-</a:t>
               </a:r>
               <a:r>
                 <a:rPr lang="en-US" altLang="en-US" sz="1000" dirty="0" err="1">
@@ -4325,10 +4272,9 @@
                 <a:t> 4.0 International License</a:t>
               </a:r>
               <a:r>
-                <a:rPr lang="en-US" sz="1000" dirty="0" smtClean="0"/>
+                <a:rPr lang="en-US" sz="1000" dirty="0"/>
                 <a:t>.</a:t>
               </a:r>
-              <a:endParaRPr lang="en-US" sz="1000" dirty="0"/>
             </a:p>
           </p:txBody>
         </p:sp>
@@ -4379,13 +4325,6 @@
   <p:clrMapOvr>
     <a:masterClrMapping/>
   </p:clrMapOvr>
-  <p:timing>
-    <p:tnLst>
-      <p:par>
-        <p:cTn id="1" dur="indefinite" restart="never" nodeType="tmRoot"/>
-      </p:par>
-    </p:tnLst>
-  </p:timing>
 </p:sld>
 </file>
 
@@ -4422,50 +4361,49 @@
           <a:lstStyle/>
           <a:p>
             <a:r>
-              <a:rPr lang="en-US" dirty="0" smtClean="0"/>
+              <a:rPr lang="en-US" dirty="0"/>
               <a:t>The Weekly Problem Set</a:t>
             </a:r>
+          </a:p>
+        </p:txBody>
+      </p:sp>
+      <p:sp>
+        <p:nvSpPr>
+          <p:cNvPr id="3" name="Content Placeholder 2"/>
+          <p:cNvSpPr>
+            <a:spLocks noGrp="1"/>
+          </p:cNvSpPr>
+          <p:nvPr>
+            <p:ph idx="1"/>
+          </p:nvPr>
+        </p:nvSpPr>
+        <p:spPr/>
+        <p:txBody>
+          <a:bodyPr/>
+          <a:lstStyle/>
+          <a:p>
+            <a:r>
+              <a:rPr lang="en-US" dirty="0"/>
+              <a:t>Problem Sets are assigned weekly.</a:t>
+            </a:r>
+          </a:p>
+          <a:p>
+            <a:pPr lvl="1"/>
+            <a:r>
+              <a:rPr lang="en-US" dirty="0"/>
+              <a:t>they will come out on Monday and be due at 6pm local time the following Monday.</a:t>
+            </a:r>
+          </a:p>
+          <a:p>
+            <a:pPr lvl="1"/>
+            <a:r>
+              <a:rPr lang="en-US" dirty="0"/>
+              <a:t>familiarize yourself with the homework policies and deliverables, on the course web page.</a:t>
+            </a:r>
+          </a:p>
+          <a:p>
+            <a:pPr lvl="1"/>
             <a:endParaRPr lang="en-US" dirty="0"/>
-          </a:p>
-        </p:txBody>
-      </p:sp>
-      <p:sp>
-        <p:nvSpPr>
-          <p:cNvPr id="3" name="Content Placeholder 2"/>
-          <p:cNvSpPr>
-            <a:spLocks noGrp="1"/>
-          </p:cNvSpPr>
-          <p:nvPr>
-            <p:ph idx="1"/>
-          </p:nvPr>
-        </p:nvSpPr>
-        <p:spPr/>
-        <p:txBody>
-          <a:bodyPr/>
-          <a:lstStyle/>
-          <a:p>
-            <a:r>
-              <a:rPr lang="en-US" dirty="0" smtClean="0"/>
-              <a:t>Problem Sets are assigned weekly.</a:t>
-            </a:r>
-          </a:p>
-          <a:p>
-            <a:pPr lvl="1"/>
-            <a:r>
-              <a:rPr lang="en-US" dirty="0" smtClean="0"/>
-              <a:t>they will come out on Monday and be due at 6pm the following Monday.</a:t>
-            </a:r>
-          </a:p>
-          <a:p>
-            <a:pPr lvl="1"/>
-            <a:r>
-              <a:rPr lang="en-US" dirty="0" smtClean="0"/>
-              <a:t>familiarize yourself with the homework policies and deliverables, on the course web page.</a:t>
-            </a:r>
-          </a:p>
-          <a:p>
-            <a:pPr lvl="1"/>
-            <a:endParaRPr lang="en-US" dirty="0" smtClean="0"/>
           </a:p>
           <a:p>
             <a:pPr lvl="1"/>
@@ -4519,13 +4457,6 @@
   <p:clrMapOvr>
     <a:masterClrMapping/>
   </p:clrMapOvr>
-  <p:timing>
-    <p:tnLst>
-      <p:par>
-        <p:cTn id="1" dur="indefinite" restart="never" nodeType="tmRoot"/>
-      </p:par>
-    </p:tnLst>
-  </p:timing>
 </p:sld>
 </file>
 
@@ -4562,10 +4493,9 @@
           <a:lstStyle/>
           <a:p>
             <a:r>
-              <a:rPr lang="en-US" dirty="0" smtClean="0"/>
+              <a:rPr lang="en-US" dirty="0"/>
               <a:t>Problem Sets take a lot of work</a:t>
             </a:r>
-            <a:endParaRPr lang="en-US" dirty="0"/>
           </a:p>
         </p:txBody>
       </p:sp>
@@ -4585,43 +4515,42 @@
           <a:lstStyle/>
           <a:p>
             <a:r>
-              <a:rPr lang="en-US" dirty="0" smtClean="0"/>
+              <a:rPr lang="en-US" dirty="0"/>
               <a:t>They are designed to take about 20 hours to do.</a:t>
             </a:r>
           </a:p>
           <a:p>
             <a:r>
-              <a:rPr lang="en-US" dirty="0" smtClean="0"/>
+              <a:rPr lang="en-US" dirty="0"/>
               <a:t>Organize your time accordingly.</a:t>
             </a:r>
           </a:p>
           <a:p>
             <a:r>
-              <a:rPr lang="en-US" dirty="0" smtClean="0"/>
+              <a:rPr lang="en-US" dirty="0"/>
               <a:t>Ask questions early</a:t>
             </a:r>
           </a:p>
           <a:p>
             <a:pPr lvl="1"/>
             <a:r>
-              <a:rPr lang="en-US" dirty="0" smtClean="0"/>
+              <a:rPr lang="en-US" dirty="0"/>
               <a:t>on Piazza</a:t>
             </a:r>
           </a:p>
           <a:p>
             <a:pPr lvl="1"/>
             <a:r>
-              <a:rPr lang="en-US" dirty="0" smtClean="0"/>
+              <a:rPr lang="en-US" dirty="0"/>
               <a:t>during TA office hours</a:t>
             </a:r>
           </a:p>
           <a:p>
             <a:pPr lvl="1"/>
             <a:r>
-              <a:rPr lang="en-US" dirty="0" smtClean="0"/>
+              <a:rPr lang="en-US" dirty="0"/>
               <a:t>in class</a:t>
             </a:r>
-            <a:endParaRPr lang="en-US" dirty="0"/>
           </a:p>
         </p:txBody>
       </p:sp>
@@ -4671,13 +4600,6 @@
   <p:clrMapOvr>
     <a:masterClrMapping/>
   </p:clrMapOvr>
-  <p:timing>
-    <p:tnLst>
-      <p:par>
-        <p:cTn id="1" dur="indefinite" restart="never" nodeType="tmRoot"/>
-      </p:par>
-    </p:tnLst>
-  </p:timing>
 </p:sld>
 </file>
 
@@ -4714,10 +4636,9 @@
           <a:lstStyle/>
           <a:p>
             <a:r>
-              <a:rPr lang="en-US" dirty="0" smtClean="0"/>
+              <a:rPr lang="en-US" dirty="0"/>
               <a:t>Homework policies</a:t>
             </a:r>
-            <a:endParaRPr lang="en-US" dirty="0"/>
           </a:p>
         </p:txBody>
       </p:sp>
@@ -4737,24 +4658,9 @@
           <a:lstStyle/>
           <a:p>
             <a:r>
-              <a:rPr lang="en-US" dirty="0" smtClean="0"/>
-              <a:t>The course web site contains detailed instructions on what you must turn in and how you must do it.  Go study it</a:t>
-            </a:r>
-            <a:r>
-              <a:rPr lang="en-US" dirty="0" smtClean="0"/>
-              <a:t>.</a:t>
-            </a:r>
-          </a:p>
-          <a:p>
-            <a:r>
-              <a:rPr lang="en-US" dirty="0" smtClean="0"/>
-              <a:t>The requirement for a lab notebook has been replaced by a Work Session Report, which is a simple Google form that you will complete at the end of each </a:t>
-            </a:r>
-            <a:r>
-              <a:rPr lang="en-US" smtClean="0"/>
-              <a:t>work session.</a:t>
-            </a:r>
-            <a:endParaRPr lang="en-US" dirty="0" smtClean="0"/>
+              <a:rPr lang="en-US" dirty="0"/>
+              <a:t>The course web site contains detailed instructions on what you must turn in and how you must do it.  Go study it.</a:t>
+            </a:r>
           </a:p>
         </p:txBody>
       </p:sp>
@@ -4804,13 +4710,6 @@
   <p:clrMapOvr>
     <a:masterClrMapping/>
   </p:clrMapOvr>
-  <p:timing>
-    <p:tnLst>
-      <p:par>
-        <p:cTn id="1" dur="indefinite" restart="never" nodeType="tmRoot"/>
-      </p:par>
-    </p:tnLst>
-  </p:timing>
 </p:sld>
 </file>
 
@@ -4847,7 +4746,7 @@
           <a:lstStyle/>
           <a:p>
             <a:r>
-              <a:rPr lang="en-US" dirty="0" err="1" smtClean="0"/>
+              <a:rPr lang="en-US" dirty="0" err="1"/>
               <a:t>Codewalk</a:t>
             </a:r>
             <a:endParaRPr lang="en-US" dirty="0"/>
@@ -4872,55 +4771,55 @@
           <a:lstStyle/>
           <a:p>
             <a:r>
-              <a:rPr lang="en-US" dirty="0" smtClean="0"/>
+              <a:rPr lang="en-US" dirty="0"/>
               <a:t>Problem Sets are due on Monday at 6pm local time.</a:t>
             </a:r>
           </a:p>
           <a:p>
             <a:r>
-              <a:rPr lang="en-US" dirty="0" smtClean="0"/>
+              <a:rPr lang="en-US" dirty="0"/>
               <a:t>Sometime during the week, you will be examined orally on your solution for about 15 minutes. </a:t>
             </a:r>
           </a:p>
           <a:p>
             <a:r>
-              <a:rPr lang="en-US" dirty="0" smtClean="0"/>
+              <a:rPr lang="en-US" dirty="0"/>
               <a:t>This is called "</a:t>
             </a:r>
             <a:r>
-              <a:rPr lang="en-US" dirty="0" err="1" smtClean="0"/>
+              <a:rPr lang="en-US" dirty="0" err="1"/>
               <a:t>codewalk</a:t>
             </a:r>
             <a:r>
-              <a:rPr lang="en-US" dirty="0" smtClean="0"/>
+              <a:rPr lang="en-US" dirty="0"/>
               <a:t>."</a:t>
             </a:r>
           </a:p>
           <a:p>
             <a:r>
-              <a:rPr lang="en-US" dirty="0" smtClean="0"/>
+              <a:rPr lang="en-US" dirty="0"/>
               <a:t>You will have  your </a:t>
             </a:r>
             <a:r>
-              <a:rPr lang="en-US" dirty="0" err="1" smtClean="0"/>
+              <a:rPr lang="en-US" dirty="0" err="1"/>
               <a:t>codewalks</a:t>
             </a:r>
             <a:r>
-              <a:rPr lang="en-US" dirty="0" smtClean="0"/>
+              <a:rPr lang="en-US" dirty="0"/>
               <a:t> in groups of 4 students.</a:t>
             </a:r>
           </a:p>
           <a:p>
             <a:r>
-              <a:rPr lang="en-US" dirty="0" smtClean="0"/>
+              <a:rPr lang="en-US" dirty="0"/>
               <a:t>You will sign up for a </a:t>
             </a:r>
             <a:r>
-              <a:rPr lang="en-US" dirty="0" err="1" smtClean="0"/>
+              <a:rPr lang="en-US" dirty="0" err="1"/>
               <a:t>codewalk</a:t>
             </a:r>
             <a:r>
-              <a:rPr lang="en-US" dirty="0" smtClean="0"/>
+              <a:rPr lang="en-US" dirty="0"/>
               <a:t> slot using a personalized URL that you will receive</a:t>
             </a:r>
           </a:p>
@@ -4972,13 +4871,6 @@
   <p:clrMapOvr>
     <a:masterClrMapping/>
   </p:clrMapOvr>
-  <p:timing>
-    <p:tnLst>
-      <p:par>
-        <p:cTn id="1" dur="indefinite" restart="never" nodeType="tmRoot"/>
-      </p:par>
-    </p:tnLst>
-  </p:timing>
 </p:sld>
 </file>
 
@@ -5015,10 +4907,9 @@
           <a:lstStyle/>
           <a:p>
             <a:r>
-              <a:rPr lang="en-US" dirty="0" smtClean="0"/>
+              <a:rPr lang="en-US" dirty="0"/>
               <a:t>Grading Criteria</a:t>
             </a:r>
-            <a:endParaRPr lang="en-US" dirty="0"/>
           </a:p>
         </p:txBody>
       </p:sp>
@@ -5040,46 +4931,46 @@
           <a:lstStyle/>
           <a:p>
             <a:r>
-              <a:rPr lang="en-US" dirty="0" smtClean="0"/>
+              <a:rPr lang="en-US" dirty="0"/>
               <a:t>Your solution will be graded using a detailed rubric</a:t>
             </a:r>
           </a:p>
           <a:p>
             <a:pPr lvl="1"/>
             <a:r>
-              <a:rPr lang="en-US" dirty="0" smtClean="0"/>
+              <a:rPr lang="en-US" dirty="0"/>
               <a:t>It's on the website– go read it.</a:t>
             </a:r>
           </a:p>
           <a:p>
             <a:r>
-              <a:rPr lang="en-US" dirty="0" smtClean="0"/>
+              <a:rPr lang="en-US" dirty="0"/>
               <a:t>You will be judged on </a:t>
             </a:r>
           </a:p>
           <a:p>
             <a:pPr lvl="1"/>
             <a:r>
-              <a:rPr lang="en-US" dirty="0" smtClean="0"/>
+              <a:rPr lang="en-US" dirty="0"/>
               <a:t>adherence to coding &amp; documentation standards</a:t>
             </a:r>
           </a:p>
           <a:p>
             <a:pPr lvl="1"/>
             <a:r>
-              <a:rPr lang="en-US" dirty="0" smtClean="0"/>
+              <a:rPr lang="en-US" dirty="0"/>
               <a:t>appropriate use of tools &amp; techniques</a:t>
             </a:r>
           </a:p>
           <a:p>
             <a:pPr lvl="1"/>
             <a:r>
-              <a:rPr lang="en-US" dirty="0" smtClean="0"/>
+              <a:rPr lang="en-US" dirty="0"/>
               <a:t>your ability to explain your program and your design decisions 	</a:t>
             </a:r>
           </a:p>
           <a:p>
-            <a:endParaRPr lang="en-US" dirty="0" smtClean="0"/>
+            <a:endParaRPr lang="en-US" dirty="0"/>
           </a:p>
           <a:p>
             <a:endParaRPr lang="en-US" dirty="0"/>
@@ -5132,13 +5023,6 @@
   <p:clrMapOvr>
     <a:masterClrMapping/>
   </p:clrMapOvr>
-  <p:timing>
-    <p:tnLst>
-      <p:par>
-        <p:cTn id="1" dur="indefinite" restart="never" nodeType="tmRoot"/>
-      </p:par>
-    </p:tnLst>
-  </p:timing>
 </p:sld>
 </file>
 
@@ -5175,10 +5059,9 @@
           <a:lstStyle/>
           <a:p>
             <a:r>
-              <a:rPr lang="en-US" dirty="0" smtClean="0"/>
+              <a:rPr lang="en-US" dirty="0"/>
               <a:t>Individual vs. Pair Work</a:t>
             </a:r>
-            <a:endParaRPr lang="en-US" dirty="0"/>
           </a:p>
         </p:txBody>
       </p:sp>
@@ -5198,28 +5081,27 @@
           <a:lstStyle/>
           <a:p>
             <a:r>
-              <a:rPr lang="en-US" dirty="0" smtClean="0"/>
+              <a:rPr lang="en-US" dirty="0"/>
               <a:t>The first 4 problem sets will be done individually</a:t>
             </a:r>
           </a:p>
           <a:p>
             <a:r>
-              <a:rPr lang="en-US" dirty="0" smtClean="0"/>
+              <a:rPr lang="en-US" dirty="0"/>
               <a:t>After that you will work in pairs.</a:t>
             </a:r>
           </a:p>
           <a:p>
             <a:r>
-              <a:rPr lang="en-US" dirty="0" smtClean="0"/>
+              <a:rPr lang="en-US" dirty="0"/>
               <a:t>We will assign the pairs.</a:t>
             </a:r>
           </a:p>
           <a:p>
             <a:r>
-              <a:rPr lang="en-US" dirty="0" smtClean="0"/>
+              <a:rPr lang="en-US" dirty="0"/>
               <a:t>There's lots more to be said about working in pairs– see the web site for more</a:t>
             </a:r>
-            <a:endParaRPr lang="en-US" dirty="0"/>
           </a:p>
         </p:txBody>
       </p:sp>
@@ -5269,13 +5151,6 @@
   <p:clrMapOvr>
     <a:masterClrMapping/>
   </p:clrMapOvr>
-  <p:timing>
-    <p:tnLst>
-      <p:par>
-        <p:cTn id="1" dur="indefinite" restart="never" nodeType="tmRoot"/>
-      </p:par>
-    </p:tnLst>
-  </p:timing>
 </p:sld>
 </file>
 
@@ -5312,10 +5187,9 @@
           <a:lstStyle/>
           <a:p>
             <a:r>
-              <a:rPr lang="en-US" dirty="0" smtClean="0"/>
+              <a:rPr lang="en-US" dirty="0"/>
               <a:t>Summary</a:t>
             </a:r>
-            <a:endParaRPr lang="en-US" dirty="0"/>
           </a:p>
         </p:txBody>
       </p:sp>
@@ -5335,7 +5209,7 @@
           <a:lstStyle/>
           <a:p>
             <a:r>
-              <a:rPr lang="en-US" dirty="0" smtClean="0"/>
+              <a:rPr lang="en-US" dirty="0"/>
               <a:t>You should now be able to</a:t>
             </a:r>
           </a:p>
@@ -5426,13 +5300,6 @@
   <p:clrMapOvr>
     <a:masterClrMapping/>
   </p:clrMapOvr>
-  <p:timing>
-    <p:tnLst>
-      <p:par>
-        <p:cTn id="1" dur="indefinite" restart="never" nodeType="tmRoot"/>
-      </p:par>
-    </p:tnLst>
-  </p:timing>
 </p:sld>
 </file>
 
@@ -5469,10 +5336,9 @@
           <a:lstStyle/>
           <a:p>
             <a:r>
-              <a:rPr lang="en-US" dirty="0" smtClean="0"/>
+              <a:rPr lang="en-US" dirty="0"/>
               <a:t>Next Steps</a:t>
             </a:r>
-            <a:endParaRPr lang="en-US" dirty="0"/>
           </a:p>
         </p:txBody>
       </p:sp>
@@ -5492,16 +5358,15 @@
           <a:lstStyle/>
           <a:p>
             <a:r>
-              <a:rPr lang="en-US" dirty="0" smtClean="0"/>
+              <a:rPr lang="en-US" dirty="0"/>
               <a:t>If you have questions about this lesson, ask them on Piazza</a:t>
             </a:r>
           </a:p>
           <a:p>
             <a:r>
-              <a:rPr lang="en-US" dirty="0" smtClean="0"/>
+              <a:rPr lang="en-US" dirty="0"/>
               <a:t>Go on to the next lesson</a:t>
             </a:r>
-            <a:endParaRPr lang="en-US" dirty="0"/>
           </a:p>
         </p:txBody>
       </p:sp>
@@ -5551,13 +5416,6 @@
   <p:clrMapOvr>
     <a:masterClrMapping/>
   </p:clrMapOvr>
-  <p:timing>
-    <p:tnLst>
-      <p:par>
-        <p:cTn id="1" dur="indefinite" restart="never" nodeType="tmRoot"/>
-      </p:par>
-    </p:tnLst>
-  </p:timing>
 </p:sld>
 </file>
 
@@ -5594,10 +5452,9 @@
           <a:lstStyle/>
           <a:p>
             <a:r>
-              <a:rPr lang="en-US" dirty="0" smtClean="0"/>
+              <a:rPr lang="en-US" dirty="0"/>
               <a:t>Lesson Objectives</a:t>
             </a:r>
-            <a:endParaRPr lang="en-US" dirty="0"/>
           </a:p>
         </p:txBody>
       </p:sp>
@@ -5617,43 +5474,43 @@
           <a:lstStyle/>
           <a:p>
             <a:r>
-              <a:rPr lang="en-US" dirty="0" smtClean="0"/>
+              <a:rPr lang="en-US" dirty="0"/>
               <a:t>At the end of this lesson you should be able to</a:t>
             </a:r>
           </a:p>
           <a:p>
             <a:pPr lvl="1"/>
             <a:r>
-              <a:rPr lang="en-US" dirty="0" smtClean="0"/>
+              <a:rPr lang="en-US" dirty="0"/>
               <a:t>explain how the "flipped classroom" model works</a:t>
             </a:r>
           </a:p>
           <a:p>
             <a:pPr lvl="1"/>
             <a:r>
-              <a:rPr lang="en-US" dirty="0" smtClean="0"/>
+              <a:rPr lang="en-US" dirty="0"/>
               <a:t>understand how each module is organized</a:t>
             </a:r>
           </a:p>
           <a:p>
             <a:pPr lvl="1"/>
             <a:r>
-              <a:rPr lang="en-US" dirty="0" smtClean="0"/>
+              <a:rPr lang="en-US" dirty="0"/>
               <a:t>explain how to find your learning objectives for each lesson</a:t>
             </a:r>
           </a:p>
           <a:p>
             <a:pPr lvl="1"/>
             <a:r>
-              <a:rPr lang="en-US" dirty="0" smtClean="0"/>
+              <a:rPr lang="en-US" dirty="0"/>
               <a:t>understand how </a:t>
             </a:r>
             <a:r>
-              <a:rPr lang="en-US" dirty="0" err="1" smtClean="0"/>
+              <a:rPr lang="en-US" dirty="0" err="1"/>
               <a:t>homeworks</a:t>
             </a:r>
             <a:r>
-              <a:rPr lang="en-US" dirty="0" smtClean="0"/>
+              <a:rPr lang="en-US" dirty="0"/>
               <a:t> are assigned and graded</a:t>
             </a:r>
           </a:p>
@@ -5661,7 +5518,7 @@
             <a:pPr marL="457200" lvl="1" indent="0">
               <a:buNone/>
             </a:pPr>
-            <a:endParaRPr lang="en-US" dirty="0" smtClean="0"/>
+            <a:endParaRPr lang="en-US" dirty="0"/>
           </a:p>
         </p:txBody>
       </p:sp>
@@ -5711,13 +5568,6 @@
   <p:clrMapOvr>
     <a:masterClrMapping/>
   </p:clrMapOvr>
-  <p:timing>
-    <p:tnLst>
-      <p:par>
-        <p:cTn id="1" dur="indefinite" restart="never" nodeType="tmRoot"/>
-      </p:par>
-    </p:tnLst>
-  </p:timing>
 </p:sld>
 </file>
 
@@ -5754,10 +5604,9 @@
           <a:lstStyle/>
           <a:p>
             <a:r>
-              <a:rPr lang="en-US" dirty="0" smtClean="0"/>
+              <a:rPr lang="en-US" dirty="0"/>
               <a:t>It's not calculus</a:t>
             </a:r>
-            <a:endParaRPr lang="en-US" dirty="0"/>
           </a:p>
         </p:txBody>
       </p:sp>
@@ -5779,11 +5628,11 @@
           <a:lstStyle/>
           <a:p>
             <a:r>
-              <a:rPr lang="en-US" dirty="0" smtClean="0"/>
+              <a:rPr lang="en-US" dirty="0"/>
               <a:t>We want you to write </a:t>
             </a:r>
             <a:r>
-              <a:rPr lang="en-US" dirty="0" smtClean="0">
+              <a:rPr lang="en-US" dirty="0">
                 <a:solidFill>
                   <a:srgbClr val="FF0000"/>
                 </a:solidFill>
@@ -5791,23 +5640,23 @@
               <a:t>beautiful</a:t>
             </a:r>
             <a:r>
-              <a:rPr lang="en-US" dirty="0" smtClean="0"/>
+              <a:rPr lang="en-US" dirty="0"/>
               <a:t> programs</a:t>
             </a:r>
           </a:p>
           <a:p>
             <a:r>
-              <a:rPr lang="en-US" dirty="0" smtClean="0"/>
+              <a:rPr lang="en-US" dirty="0"/>
               <a:t>It's not enough to get the right answers</a:t>
             </a:r>
           </a:p>
           <a:p>
             <a:r>
-              <a:rPr lang="en-US" dirty="0" smtClean="0"/>
+              <a:rPr lang="en-US" dirty="0"/>
               <a:t>It's about </a:t>
             </a:r>
             <a:r>
-              <a:rPr lang="en-US" dirty="0" smtClean="0">
+              <a:rPr lang="en-US" dirty="0">
                 <a:solidFill>
                   <a:srgbClr val="FF0000"/>
                 </a:solidFill>
@@ -5815,27 +5664,27 @@
               <a:t>design</a:t>
             </a:r>
             <a:r>
-              <a:rPr lang="en-US" dirty="0" smtClean="0"/>
+              <a:rPr lang="en-US" dirty="0"/>
               <a:t>– which means making your program readable and modifiable by humans</a:t>
             </a:r>
           </a:p>
           <a:p>
             <a:r>
-              <a:rPr lang="en-US" dirty="0" smtClean="0"/>
+              <a:rPr lang="en-US" dirty="0"/>
               <a:t>This includes documenting your program</a:t>
             </a:r>
           </a:p>
           <a:p>
             <a:pPr lvl="1"/>
             <a:r>
-              <a:rPr lang="en-US" dirty="0" smtClean="0"/>
+              <a:rPr lang="en-US" dirty="0"/>
               <a:t>so the TA can understand it</a:t>
             </a:r>
           </a:p>
           <a:p>
             <a:pPr lvl="1"/>
             <a:r>
-              <a:rPr lang="en-US" dirty="0" smtClean="0"/>
+              <a:rPr lang="en-US" dirty="0"/>
               <a:t>so a future programmer can understand and modify it</a:t>
             </a:r>
           </a:p>
@@ -5890,13 +5739,6 @@
   <p:clrMapOvr>
     <a:masterClrMapping/>
   </p:clrMapOvr>
-  <p:timing>
-    <p:tnLst>
-      <p:par>
-        <p:cTn id="1" dur="indefinite" restart="never" nodeType="tmRoot"/>
-      </p:par>
-    </p:tnLst>
-  </p:timing>
 </p:sld>
 </file>
 
@@ -5933,10 +5775,9 @@
           <a:lstStyle/>
           <a:p>
             <a:r>
-              <a:rPr lang="en-US" dirty="0" smtClean="0"/>
+              <a:rPr lang="en-US" dirty="0"/>
               <a:t>The "Flipped Classroom"</a:t>
             </a:r>
-            <a:endParaRPr lang="en-US" dirty="0"/>
           </a:p>
         </p:txBody>
       </p:sp>
@@ -5956,40 +5797,40 @@
           <a:lstStyle/>
           <a:p>
             <a:r>
-              <a:rPr lang="en-US" dirty="0" smtClean="0"/>
+              <a:rPr lang="en-US" dirty="0"/>
               <a:t>The course consists of 13 modules, numbered 0 through 12.</a:t>
             </a:r>
           </a:p>
           <a:p>
             <a:r>
-              <a:rPr lang="en-US" dirty="0" smtClean="0"/>
+              <a:rPr lang="en-US" dirty="0"/>
               <a:t>Each module runs from Monday to Sunday</a:t>
             </a:r>
           </a:p>
           <a:p>
             <a:r>
-              <a:rPr lang="en-US" dirty="0" smtClean="0"/>
+              <a:rPr lang="en-US" dirty="0"/>
               <a:t>Each module consists of</a:t>
             </a:r>
           </a:p>
           <a:p>
             <a:pPr lvl="1"/>
             <a:r>
-              <a:rPr lang="en-US" dirty="0" smtClean="0"/>
+              <a:rPr lang="en-US" dirty="0"/>
               <a:t>online materials</a:t>
             </a:r>
           </a:p>
           <a:p>
             <a:pPr lvl="1"/>
             <a:r>
-              <a:rPr lang="en-US" dirty="0" smtClean="0"/>
+              <a:rPr lang="en-US" dirty="0"/>
               <a:t>a 2-hour classroom meeting</a:t>
             </a:r>
           </a:p>
           <a:p>
             <a:pPr lvl="1"/>
             <a:r>
-              <a:rPr lang="en-US" dirty="0" smtClean="0"/>
+              <a:rPr lang="en-US" dirty="0"/>
               <a:t>a problem set</a:t>
             </a:r>
           </a:p>
@@ -5997,7 +5838,7 @@
             <a:pPr marL="0" indent="0">
               <a:buNone/>
             </a:pPr>
-            <a:endParaRPr lang="en-US" dirty="0" smtClean="0"/>
+            <a:endParaRPr lang="en-US" dirty="0"/>
           </a:p>
           <a:p>
             <a:endParaRPr lang="en-US" dirty="0"/>
@@ -6050,13 +5891,6 @@
   <p:clrMapOvr>
     <a:masterClrMapping/>
   </p:clrMapOvr>
-  <p:timing>
-    <p:tnLst>
-      <p:par>
-        <p:cTn id="1" dur="indefinite" restart="never" nodeType="tmRoot"/>
-      </p:par>
-    </p:tnLst>
-  </p:timing>
 </p:sld>
 </file>
 
@@ -6093,10 +5927,9 @@
           <a:lstStyle/>
           <a:p>
             <a:r>
-              <a:rPr lang="en-US" dirty="0" smtClean="0"/>
+              <a:rPr lang="en-US" dirty="0"/>
               <a:t>Online Materials</a:t>
             </a:r>
-            <a:endParaRPr lang="en-US" dirty="0"/>
           </a:p>
         </p:txBody>
       </p:sp>
@@ -6116,36 +5949,31 @@
           <a:lstStyle/>
           <a:p>
             <a:r>
-              <a:rPr lang="en-US" dirty="0" smtClean="0"/>
+              <a:rPr lang="en-US" dirty="0"/>
               <a:t>The materials for each week will be posted online.  </a:t>
             </a:r>
           </a:p>
           <a:p>
             <a:r>
-              <a:rPr lang="en-US" dirty="0" smtClean="0"/>
+              <a:rPr lang="en-US" dirty="0"/>
               <a:t>This will consist of a set of video lectures and a reading assignment</a:t>
             </a:r>
           </a:p>
           <a:p>
             <a:r>
-              <a:rPr lang="en-US" dirty="0" smtClean="0"/>
+              <a:rPr lang="en-US" dirty="0"/>
               <a:t>This material replaces the usual 3-hour lecture</a:t>
             </a:r>
           </a:p>
           <a:p>
             <a:r>
-              <a:rPr lang="en-US" b="1" i="1" dirty="0" smtClean="0">
+              <a:rPr lang="en-US" b="1" i="1" dirty="0">
                 <a:solidFill>
                   <a:srgbClr val="FF0000"/>
                 </a:solidFill>
               </a:rPr>
               <a:t>You will be responsible for studying this material before you come to class.</a:t>
             </a:r>
-            <a:endParaRPr lang="en-US" b="1" i="1" dirty="0">
-              <a:solidFill>
-                <a:srgbClr val="FF0000"/>
-              </a:solidFill>
-            </a:endParaRPr>
           </a:p>
         </p:txBody>
       </p:sp>
@@ -6195,13 +6023,6 @@
   <p:clrMapOvr>
     <a:masterClrMapping/>
   </p:clrMapOvr>
-  <p:timing>
-    <p:tnLst>
-      <p:par>
-        <p:cTn id="1" dur="indefinite" restart="never" nodeType="tmRoot"/>
-      </p:par>
-    </p:tnLst>
-  </p:timing>
 </p:sld>
 </file>
 
@@ -6238,10 +6059,9 @@
           <a:lstStyle/>
           <a:p>
             <a:r>
-              <a:rPr lang="en-US" dirty="0" smtClean="0"/>
+              <a:rPr lang="en-US" dirty="0"/>
               <a:t>Organization of a Lesson</a:t>
             </a:r>
-            <a:endParaRPr lang="en-US" dirty="0"/>
           </a:p>
         </p:txBody>
       </p:sp>
@@ -6255,30 +6075,34 @@
             <p:ph idx="1"/>
           </p:nvPr>
         </p:nvSpPr>
-        <p:spPr/>
+        <p:spPr>
+          <a:xfrm>
+            <a:off x="457200" y="1542145"/>
+            <a:ext cx="8229600" cy="4525963"/>
+          </a:xfrm>
+        </p:spPr>
         <p:txBody>
           <a:bodyPr>
-            <a:normAutofit lnSpcReduction="10000"/>
+            <a:normAutofit/>
           </a:bodyPr>
           <a:lstStyle/>
           <a:p>
             <a:r>
-              <a:rPr lang="en-US" dirty="0" smtClean="0"/>
+              <a:rPr lang="en-US" dirty="0"/>
+              <a:t>Each module will have a copy of the Course Map to show you where the lessons of this module fit into the course</a:t>
+            </a:r>
+          </a:p>
+          <a:p>
+            <a:r>
+              <a:rPr lang="en-US" dirty="0"/>
               <a:t>Each lesson will have "learning objectives" to give you an overview of what you should be learning in the lesson</a:t>
             </a:r>
           </a:p>
           <a:p>
             <a:r>
-              <a:rPr lang="en-US" dirty="0" smtClean="0"/>
-              <a:t>Each lesson will have a copy of the Course Map to show you where the lesson fits into the course</a:t>
-            </a:r>
-          </a:p>
-          <a:p>
-            <a:r>
-              <a:rPr lang="en-US" dirty="0" smtClean="0"/>
-              <a:t>Lessons may consist of PowerPoint slides, video narrations, or live coding demonstrations.</a:t>
-            </a:r>
-            <a:endParaRPr lang="en-US" dirty="0"/>
+              <a:rPr lang="en-US" dirty="0"/>
+              <a:t>Lessons typically consist of PowerPoint slides (sorry!), sometimes along with some videos. </a:t>
+            </a:r>
           </a:p>
         </p:txBody>
       </p:sp>
@@ -6318,6 +6142,141 @@
           </a:p>
         </p:txBody>
       </p:sp>
+      <p:sp>
+        <p:nvSpPr>
+          <p:cNvPr id="6" name="Rectangle 5"/>
+          <p:cNvSpPr/>
+          <p:nvPr/>
+        </p:nvSpPr>
+        <p:spPr>
+          <a:xfrm>
+            <a:off x="812122" y="5804624"/>
+            <a:ext cx="4149090" cy="916880"/>
+          </a:xfrm>
+          <a:prstGeom prst="rect">
+            <a:avLst/>
+          </a:prstGeom>
+          <a:solidFill>
+            <a:schemeClr val="accent3">
+              <a:lumMod val="40000"/>
+              <a:lumOff val="60000"/>
+            </a:schemeClr>
+          </a:solidFill>
+          <a:ln/>
+        </p:spPr>
+        <p:style>
+          <a:lnRef idx="2">
+            <a:schemeClr val="accent1"/>
+          </a:lnRef>
+          <a:fillRef idx="1">
+            <a:schemeClr val="lt1"/>
+          </a:fillRef>
+          <a:effectRef idx="0">
+            <a:schemeClr val="accent1"/>
+          </a:effectRef>
+          <a:fontRef idx="minor">
+            <a:schemeClr val="dk1"/>
+          </a:fontRef>
+        </p:style>
+        <p:txBody>
+          <a:bodyPr rot="0" spcFirstLastPara="0" vertOverflow="overflow" horzOverflow="overflow" vert="horz" wrap="square" lIns="91440" tIns="45720" rIns="91440" bIns="45720" numCol="1" spcCol="0" rtlCol="0" fromWordArt="0" anchor="ctr" anchorCtr="0" forceAA="0" compatLnSpc="1">
+            <a:prstTxWarp prst="textNoShape">
+              <a:avLst/>
+            </a:prstTxWarp>
+            <a:noAutofit/>
+          </a:bodyPr>
+          <a:lstStyle/>
+          <a:p>
+            <a:pPr>
+              <a:defRPr/>
+            </a:pPr>
+            <a:r>
+              <a:rPr lang="en-US" dirty="0">
+                <a:solidFill>
+                  <a:schemeClr val="tx1"/>
+                </a:solidFill>
+              </a:rPr>
+              <a:t>We try our best to liven up the PowerPoint with boxes, colors, and animations.</a:t>
+            </a:r>
+          </a:p>
+        </p:txBody>
+      </p:sp>
+      <p:sp>
+        <p:nvSpPr>
+          <p:cNvPr id="7" name="Arc 6"/>
+          <p:cNvSpPr/>
+          <p:nvPr/>
+        </p:nvSpPr>
+        <p:spPr>
+          <a:xfrm rot="18777936">
+            <a:off x="4858934" y="5790009"/>
+            <a:ext cx="914400" cy="914400"/>
+          </a:xfrm>
+          <a:prstGeom prst="arc">
+            <a:avLst>
+              <a:gd name="adj1" fmla="val 16200000"/>
+              <a:gd name="adj2" fmla="val 11504857"/>
+            </a:avLst>
+          </a:prstGeom>
+          <a:ln w="19050">
+            <a:solidFill>
+              <a:schemeClr val="tx1"/>
+            </a:solidFill>
+            <a:tailEnd type="stealth" w="lg" len="lg"/>
+          </a:ln>
+        </p:spPr>
+        <p:style>
+          <a:lnRef idx="1">
+            <a:schemeClr val="accent1"/>
+          </a:lnRef>
+          <a:fillRef idx="0">
+            <a:schemeClr val="accent1"/>
+          </a:fillRef>
+          <a:effectRef idx="0">
+            <a:schemeClr val="accent1"/>
+          </a:effectRef>
+          <a:fontRef idx="minor">
+            <a:schemeClr val="tx1"/>
+          </a:fontRef>
+        </p:style>
+        <p:txBody>
+          <a:bodyPr rtlCol="0" anchor="ctr"/>
+          <a:lstStyle/>
+          <a:p>
+            <a:pPr algn="ctr"/>
+            <a:endParaRPr lang="en-US"/>
+          </a:p>
+        </p:txBody>
+      </p:sp>
+      <p:sp>
+        <p:nvSpPr>
+          <p:cNvPr id="8" name="TextBox 7"/>
+          <p:cNvSpPr txBox="1"/>
+          <p:nvPr/>
+        </p:nvSpPr>
+        <p:spPr>
+          <a:xfrm>
+            <a:off x="5771594" y="6296078"/>
+            <a:ext cx="972317" cy="369332"/>
+          </a:xfrm>
+          <a:prstGeom prst="rect">
+            <a:avLst/>
+          </a:prstGeom>
+          <a:noFill/>
+        </p:spPr>
+        <p:txBody>
+          <a:bodyPr wrap="none" rtlCol="0">
+            <a:spAutoFit/>
+          </a:bodyPr>
+          <a:lstStyle/>
+          <a:p>
+            <a:r>
+              <a:rPr lang="en-US" dirty="0"/>
+              <a:t>like this!</a:t>
+            </a:r>
+          </a:p>
+        </p:txBody>
+      </p:sp>
     </p:spTree>
     <p:extLst>
       <p:ext uri="{BB962C8B-B14F-4D97-AF65-F5344CB8AC3E}">
@@ -6331,9 +6290,124 @@
   <p:timing>
     <p:tnLst>
       <p:par>
-        <p:cTn id="1" dur="indefinite" restart="never" nodeType="tmRoot"/>
+        <p:cTn id="1" dur="indefinite" restart="never" nodeType="tmRoot">
+          <p:childTnLst>
+            <p:seq concurrent="1" nextAc="seek">
+              <p:cTn id="2" dur="indefinite" nodeType="mainSeq">
+                <p:childTnLst>
+                  <p:par>
+                    <p:cTn id="3" fill="hold">
+                      <p:stCondLst>
+                        <p:cond delay="indefinite"/>
+                      </p:stCondLst>
+                      <p:childTnLst>
+                        <p:par>
+                          <p:cTn id="4" fill="hold">
+                            <p:stCondLst>
+                              <p:cond delay="0"/>
+                            </p:stCondLst>
+                            <p:childTnLst>
+                              <p:par>
+                                <p:cTn id="5" presetID="10" presetClass="entr" presetSubtype="0" fill="hold" grpId="0" nodeType="clickEffect">
+                                  <p:stCondLst>
+                                    <p:cond delay="0"/>
+                                  </p:stCondLst>
+                                  <p:childTnLst>
+                                    <p:set>
+                                      <p:cBhvr>
+                                        <p:cTn id="6" dur="1" fill="hold">
+                                          <p:stCondLst>
+                                            <p:cond delay="0"/>
+                                          </p:stCondLst>
+                                        </p:cTn>
+                                        <p:tgtEl>
+                                          <p:spTgt spid="7"/>
+                                        </p:tgtEl>
+                                        <p:attrNameLst>
+                                          <p:attrName>style.visibility</p:attrName>
+                                        </p:attrNameLst>
+                                      </p:cBhvr>
+                                      <p:to>
+                                        <p:strVal val="visible"/>
+                                      </p:to>
+                                    </p:set>
+                                    <p:animEffect transition="in" filter="fade">
+                                      <p:cBhvr>
+                                        <p:cTn id="7" dur="500"/>
+                                        <p:tgtEl>
+                                          <p:spTgt spid="7"/>
+                                        </p:tgtEl>
+                                      </p:cBhvr>
+                                    </p:animEffect>
+                                  </p:childTnLst>
+                                </p:cTn>
+                              </p:par>
+                              <p:par>
+                                <p:cTn id="8" presetID="10" presetClass="entr" presetSubtype="0" fill="hold" grpId="0" nodeType="withEffect">
+                                  <p:stCondLst>
+                                    <p:cond delay="0"/>
+                                  </p:stCondLst>
+                                  <p:childTnLst>
+                                    <p:set>
+                                      <p:cBhvr>
+                                        <p:cTn id="9" dur="1" fill="hold">
+                                          <p:stCondLst>
+                                            <p:cond delay="0"/>
+                                          </p:stCondLst>
+                                        </p:cTn>
+                                        <p:tgtEl>
+                                          <p:spTgt spid="8"/>
+                                        </p:tgtEl>
+                                        <p:attrNameLst>
+                                          <p:attrName>style.visibility</p:attrName>
+                                        </p:attrNameLst>
+                                      </p:cBhvr>
+                                      <p:to>
+                                        <p:strVal val="visible"/>
+                                      </p:to>
+                                    </p:set>
+                                    <p:animEffect transition="in" filter="fade">
+                                      <p:cBhvr>
+                                        <p:cTn id="10" dur="500"/>
+                                        <p:tgtEl>
+                                          <p:spTgt spid="8"/>
+                                        </p:tgtEl>
+                                      </p:cBhvr>
+                                    </p:animEffect>
+                                  </p:childTnLst>
+                                </p:cTn>
+                              </p:par>
+                            </p:childTnLst>
+                          </p:cTn>
+                        </p:par>
+                      </p:childTnLst>
+                    </p:cTn>
+                  </p:par>
+                </p:childTnLst>
+              </p:cTn>
+              <p:prevCondLst>
+                <p:cond evt="onPrev" delay="0">
+                  <p:tgtEl>
+                    <p:sldTgt/>
+                  </p:tgtEl>
+                </p:cond>
+              </p:prevCondLst>
+              <p:nextCondLst>
+                <p:cond evt="onNext" delay="0">
+                  <p:tgtEl>
+                    <p:sldTgt/>
+                  </p:tgtEl>
+                </p:cond>
+              </p:nextCondLst>
+            </p:seq>
+          </p:childTnLst>
+        </p:cTn>
       </p:par>
     </p:tnLst>
+    <p:bldLst>
+      <p:bldP spid="7" grpId="0" animBg="1"/>
+      <p:bldP spid="8" grpId="0"/>
+    </p:bldLst>
   </p:timing>
 </p:sld>
 </file>
@@ -6371,10 +6445,9 @@
           <a:lstStyle/>
           <a:p>
             <a:r>
-              <a:rPr lang="en-US" dirty="0" smtClean="0"/>
+              <a:rPr lang="en-US" dirty="0"/>
               <a:t>Lesson Exercises</a:t>
             </a:r>
-            <a:endParaRPr lang="en-US" dirty="0"/>
           </a:p>
         </p:txBody>
       </p:sp>
@@ -6394,22 +6467,21 @@
           <a:lstStyle/>
           <a:p>
             <a:r>
-              <a:rPr lang="en-US" dirty="0" smtClean="0"/>
+              <a:rPr lang="en-US" dirty="0"/>
               <a:t>Lessons may also include a few short exercises. </a:t>
             </a:r>
           </a:p>
           <a:p>
             <a:r>
-              <a:rPr lang="en-US" dirty="0" smtClean="0"/>
+              <a:rPr lang="en-US" dirty="0"/>
               <a:t>We strongly urge you to do these exercises, since they give you a quick way of checking your understanding.</a:t>
             </a:r>
           </a:p>
           <a:p>
             <a:r>
-              <a:rPr lang="en-US" dirty="0" smtClean="0"/>
+              <a:rPr lang="en-US" dirty="0"/>
               <a:t>In some cases the exercises contain new material, so you won't get the whole story unless you do the exercises.</a:t>
             </a:r>
-            <a:endParaRPr lang="en-US" dirty="0"/>
           </a:p>
         </p:txBody>
       </p:sp>
@@ -6459,13 +6531,6 @@
   <p:clrMapOvr>
     <a:masterClrMapping/>
   </p:clrMapOvr>
-  <p:timing>
-    <p:tnLst>
-      <p:par>
-        <p:cTn id="1" dur="indefinite" restart="never" nodeType="tmRoot"/>
-      </p:par>
-    </p:tnLst>
-  </p:timing>
 </p:sld>
 </file>
 
@@ -6502,10 +6567,9 @@
           <a:lstStyle/>
           <a:p>
             <a:r>
-              <a:rPr lang="en-US" dirty="0" smtClean="0"/>
+              <a:rPr lang="en-US" dirty="0"/>
               <a:t>How to study the materials</a:t>
             </a:r>
-            <a:endParaRPr lang="en-US" dirty="0"/>
           </a:p>
         </p:txBody>
       </p:sp>
@@ -6527,73 +6591,72 @@
           <a:lstStyle/>
           <a:p>
             <a:r>
-              <a:rPr lang="en-US" dirty="0" smtClean="0"/>
+              <a:rPr lang="en-US" dirty="0"/>
               <a:t>Practice active reading</a:t>
             </a:r>
           </a:p>
           <a:p>
             <a:pPr lvl="1"/>
             <a:r>
-              <a:rPr lang="en-US" dirty="0" smtClean="0"/>
+              <a:rPr lang="en-US" dirty="0"/>
               <a:t>DON'T SKIM!</a:t>
             </a:r>
           </a:p>
           <a:p>
             <a:pPr lvl="1"/>
             <a:r>
-              <a:rPr lang="en-US" dirty="0" smtClean="0"/>
+              <a:rPr lang="en-US" dirty="0"/>
               <a:t>read every word carefully</a:t>
             </a:r>
           </a:p>
           <a:p>
             <a:pPr lvl="1"/>
             <a:r>
-              <a:rPr lang="en-US" dirty="0" smtClean="0"/>
+              <a:rPr lang="en-US" dirty="0"/>
               <a:t>read with pencil in hand</a:t>
             </a:r>
           </a:p>
           <a:p>
             <a:pPr lvl="1"/>
             <a:r>
-              <a:rPr lang="en-US" dirty="0" smtClean="0"/>
+              <a:rPr lang="en-US" dirty="0"/>
               <a:t>jot down questions as you go along</a:t>
             </a:r>
           </a:p>
           <a:p>
             <a:pPr lvl="1"/>
             <a:r>
-              <a:rPr lang="en-US" dirty="0" smtClean="0"/>
+              <a:rPr lang="en-US" dirty="0"/>
               <a:t>if there's something you don't understand, STOP.</a:t>
             </a:r>
           </a:p>
           <a:p>
             <a:pPr lvl="2"/>
             <a:r>
-              <a:rPr lang="en-US" dirty="0" smtClean="0"/>
+              <a:rPr lang="en-US" dirty="0"/>
               <a:t>re-read the slide</a:t>
             </a:r>
           </a:p>
           <a:p>
             <a:pPr lvl="2"/>
             <a:r>
-              <a:rPr lang="en-US" dirty="0" smtClean="0"/>
+              <a:rPr lang="en-US" dirty="0"/>
               <a:t>replay the video</a:t>
             </a:r>
           </a:p>
           <a:p>
             <a:pPr lvl="2"/>
             <a:r>
-              <a:rPr lang="en-US" dirty="0" smtClean="0"/>
+              <a:rPr lang="en-US" dirty="0"/>
               <a:t>ask a question on Piazza</a:t>
             </a:r>
           </a:p>
           <a:p>
             <a:pPr lvl="1"/>
             <a:r>
-              <a:rPr lang="en-US" dirty="0" smtClean="0"/>
+              <a:rPr lang="en-US" dirty="0"/>
               <a:t>if you don't come to class with a question, you haven't read closely enough!!</a:t>
             </a:r>
-            <a:endParaRPr lang="en-US" dirty="0"/>
           </a:p>
         </p:txBody>
       </p:sp>
@@ -6643,13 +6706,6 @@
   <p:clrMapOvr>
     <a:masterClrMapping/>
   </p:clrMapOvr>
-  <p:timing>
-    <p:tnLst>
-      <p:par>
-        <p:cTn id="1" dur="indefinite" restart="never" nodeType="tmRoot"/>
-      </p:par>
-    </p:tnLst>
-  </p:timing>
 </p:sld>
 </file>
 
@@ -6686,10 +6742,9 @@
           <a:lstStyle/>
           <a:p>
             <a:r>
-              <a:rPr lang="en-US" dirty="0" smtClean="0"/>
+              <a:rPr lang="en-US" dirty="0"/>
               <a:t>The classroom meeting</a:t>
             </a:r>
-            <a:endParaRPr lang="en-US" dirty="0"/>
           </a:p>
         </p:txBody>
       </p:sp>
@@ -6711,41 +6766,41 @@
           <a:lstStyle/>
           <a:p>
             <a:r>
-              <a:rPr lang="en-US" dirty="0" smtClean="0"/>
+              <a:rPr lang="en-US" dirty="0"/>
               <a:t>The classroom meeting will be devoted to</a:t>
             </a:r>
           </a:p>
           <a:p>
             <a:pPr lvl="1"/>
             <a:r>
-              <a:rPr lang="en-US" dirty="0" smtClean="0"/>
+              <a:rPr lang="en-US" dirty="0"/>
               <a:t>review of the previous topics, as needed</a:t>
             </a:r>
           </a:p>
           <a:p>
             <a:pPr lvl="1"/>
             <a:r>
-              <a:rPr lang="en-US" dirty="0" smtClean="0"/>
+              <a:rPr lang="en-US" dirty="0"/>
               <a:t>in-class exercises and other enrichment on this week's materials</a:t>
             </a:r>
           </a:p>
           <a:p>
             <a:pPr lvl="1"/>
             <a:r>
-              <a:rPr lang="en-US" dirty="0" smtClean="0"/>
+              <a:rPr lang="en-US" dirty="0"/>
               <a:t>questions and answers.</a:t>
             </a:r>
           </a:p>
           <a:p>
             <a:pPr lvl="2"/>
             <a:r>
-              <a:rPr lang="en-US" dirty="0" smtClean="0"/>
+              <a:rPr lang="en-US" dirty="0"/>
               <a:t>you can ask the instructor questions, but the instructor may ask you questions also.</a:t>
             </a:r>
           </a:p>
           <a:p>
             <a:r>
-              <a:rPr lang="en-US" b="1" i="1" dirty="0" smtClean="0">
+              <a:rPr lang="en-US" b="1" i="1" dirty="0">
                 <a:solidFill>
                   <a:srgbClr val="FF0000"/>
                 </a:solidFill>
@@ -6801,13 +6856,6 @@
   <p:clrMapOvr>
     <a:masterClrMapping/>
   </p:clrMapOvr>
-  <p:timing>
-    <p:tnLst>
-      <p:par>
-        <p:cTn id="1" dur="indefinite" restart="never" nodeType="tmRoot"/>
-      </p:par>
-    </p:tnLst>
-  </p:timing>
 </p:sld>
 </file>
 
@@ -7089,7 +7137,48 @@
       </a:bgFillStyleLst>
     </a:fmtScheme>
   </a:themeElements>
-  <a:objectDefaults/>
+  <a:objectDefaults>
+    <a:spDef>
+      <a:spPr>
+        <a:solidFill>
+          <a:schemeClr val="accent3">
+            <a:lumMod val="40000"/>
+            <a:lumOff val="60000"/>
+          </a:schemeClr>
+        </a:solidFill>
+        <a:ln/>
+      </a:spPr>
+      <a:bodyPr rot="0" spcFirstLastPara="0" vertOverflow="overflow" horzOverflow="overflow" vert="horz" wrap="square" lIns="91440" tIns="45720" rIns="91440" bIns="45720" numCol="1" spcCol="0" rtlCol="0" fromWordArt="0" anchor="ctr" anchorCtr="0" forceAA="0" compatLnSpc="1">
+        <a:prstTxWarp prst="textNoShape">
+          <a:avLst/>
+        </a:prstTxWarp>
+        <a:noAutofit/>
+      </a:bodyPr>
+      <a:lstStyle>
+        <a:defPPr>
+          <a:defRPr dirty="0" smtClean="0">
+            <a:solidFill>
+              <a:schemeClr val="tx1"/>
+            </a:solidFill>
+          </a:defRPr>
+        </a:defPPr>
+      </a:lstStyle>
+      <a:style>
+        <a:lnRef idx="2">
+          <a:schemeClr val="accent1"/>
+        </a:lnRef>
+        <a:fillRef idx="1">
+          <a:schemeClr val="lt1"/>
+        </a:fillRef>
+        <a:effectRef idx="0">
+          <a:schemeClr val="accent1"/>
+        </a:effectRef>
+        <a:fontRef idx="minor">
+          <a:schemeClr val="dk1"/>
+        </a:fontRef>
+      </a:style>
+    </a:spDef>
+  </a:objectDefaults>
   <a:extraClrSchemeLst/>
 </a:theme>
 </file>
